--- a/2021.02.03_OneOnOneUpdates.pptx
+++ b/2021.02.03_OneOnOneUpdates.pptx
@@ -224,7 +224,7 @@
           <a:p>
             <a:fld id="{95422CEA-2134-C54D-B545-5847DA6C4A8E}" type="datetimeFigureOut">
               <a:rPr lang="en-US" smtClean="0"/>
-              <a:t>2/3/21</a:t>
+              <a:t>3/17/21</a:t>
             </a:fld>
             <a:endParaRPr lang="en-US"/>
           </a:p>
@@ -1363,7 +1363,7 @@
           <a:p>
             <a:fld id="{E9DA624D-2E17-4342-836E-71ABD23E16DA}" type="datetime1">
               <a:rPr lang="en-US" smtClean="0"/>
-              <a:t>2/3/21</a:t>
+              <a:t>3/17/21</a:t>
             </a:fld>
             <a:endParaRPr lang="en-US" dirty="0"/>
           </a:p>
@@ -1536,7 +1536,7 @@
           <a:p>
             <a:fld id="{29329774-7BFA-2B46-9164-BB83C5C0C417}" type="datetime1">
               <a:rPr lang="en-US" smtClean="0"/>
-              <a:t>2/3/21</a:t>
+              <a:t>3/17/21</a:t>
             </a:fld>
             <a:endParaRPr lang="en-US"/>
           </a:p>
@@ -1710,7 +1710,7 @@
           <a:p>
             <a:fld id="{8B020BE7-A5C5-9249-9037-8ACB2BCEBBDA}" type="datetime1">
               <a:rPr lang="en-US" smtClean="0"/>
-              <a:t>2/3/21</a:t>
+              <a:t>3/17/21</a:t>
             </a:fld>
             <a:endParaRPr lang="en-US"/>
           </a:p>
@@ -1874,7 +1874,7 @@
           <a:p>
             <a:fld id="{18B0DAE0-167C-E244-AE75-755727B4BFA0}" type="datetime1">
               <a:rPr lang="en-US" smtClean="0"/>
-              <a:t>2/3/21</a:t>
+              <a:t>3/17/21</a:t>
             </a:fld>
             <a:endParaRPr lang="en-US"/>
           </a:p>
@@ -2116,7 +2116,7 @@
           <a:p>
             <a:fld id="{EABBB8E0-CBFA-FC4A-AD97-50731D705069}" type="datetime1">
               <a:rPr lang="en-US" smtClean="0"/>
-              <a:t>2/3/21</a:t>
+              <a:t>3/17/21</a:t>
             </a:fld>
             <a:endParaRPr lang="en-US"/>
           </a:p>
@@ -2397,7 +2397,7 @@
           <a:p>
             <a:fld id="{1DBFCDB0-7162-1D45-AB97-8B8A3ADC1110}" type="datetime1">
               <a:rPr lang="en-US" smtClean="0"/>
-              <a:t>2/3/21</a:t>
+              <a:t>3/17/21</a:t>
             </a:fld>
             <a:endParaRPr lang="en-US"/>
           </a:p>
@@ -2812,7 +2812,7 @@
           <a:p>
             <a:fld id="{8107E8EB-CBB6-1047-939C-60CDFDC42FD6}" type="datetime1">
               <a:rPr lang="en-US" smtClean="0"/>
-              <a:t>2/3/21</a:t>
+              <a:t>3/17/21</a:t>
             </a:fld>
             <a:endParaRPr lang="en-US"/>
           </a:p>
@@ -2993,7 +2993,7 @@
           <a:p>
             <a:fld id="{BC9EA744-C10E-944E-932B-DFB1BC4B0793}" type="datetime1">
               <a:rPr lang="en-US" smtClean="0"/>
-              <a:t>2/3/21</a:t>
+              <a:t>3/17/21</a:t>
             </a:fld>
             <a:endParaRPr lang="en-US"/>
           </a:p>
@@ -3264,7 +3264,7 @@
           <a:p>
             <a:fld id="{062AD325-3520-DD4F-BF35-A2D53BC8878C}" type="datetime1">
               <a:rPr lang="en-US" smtClean="0"/>
-              <a:t>2/3/21</a:t>
+              <a:t>3/17/21</a:t>
             </a:fld>
             <a:endParaRPr lang="en-US"/>
           </a:p>
@@ -3515,7 +3515,7 @@
           <a:p>
             <a:fld id="{587DACA1-86EE-4C4D-9C7E-5B68DA790A24}" type="datetime1">
               <a:rPr lang="en-US" smtClean="0"/>
-              <a:t>2/3/21</a:t>
+              <a:t>3/17/21</a:t>
             </a:fld>
             <a:endParaRPr lang="en-US"/>
           </a:p>
@@ -3724,7 +3724,7 @@
           <a:p>
             <a:fld id="{0E0E6322-EA0F-1E47-B778-C2F5BEC8CF0F}" type="datetime1">
               <a:rPr lang="en-US" smtClean="0"/>
-              <a:t>2/3/21</a:t>
+              <a:t>3/17/21</a:t>
             </a:fld>
             <a:endParaRPr lang="en-US"/>
           </a:p>
